--- a/Document/iCookPrj.pptx
+++ b/Document/iCookPrj.pptx
@@ -118,6 +118,11 @@
       </a:defRPr>
     </a:lvl9pPr>
   </p:defaultTextStyle>
+  <p:extLst>
+    <p:ext uri="{EFAFB233-063F-42B5-8137-9DF3F51BA10A}">
+      <p15:sldGuideLst xmlns:p15="http://schemas.microsoft.com/office/powerpoint/2012/main"/>
+    </p:ext>
+  </p:extLst>
 </p:presentation>
 </file>
 
@@ -1002,6 +1007,13 @@
         </dgm:presLayoutVars>
       </dgm:prSet>
       <dgm:spPr/>
+      <dgm:t>
+        <a:bodyPr/>
+        <a:lstStyle/>
+        <a:p>
+          <a:endParaRPr lang="en-US"/>
+        </a:p>
+      </dgm:t>
     </dgm:pt>
     <dgm:pt modelId="{044F9C31-BD8C-4629-AB7C-1DCF1A9D48CD}" type="pres">
       <dgm:prSet presAssocID="{788BEB73-7601-46AB-82B3-93BBE882C7B8}" presName="Name1" presStyleCnt="0"/>
@@ -1018,6 +1030,13 @@
     <dgm:pt modelId="{C7CE70D4-7B0E-402A-8F11-FC111F281784}" type="pres">
       <dgm:prSet presAssocID="{788BEB73-7601-46AB-82B3-93BBE882C7B8}" presName="conn" presStyleLbl="parChTrans1D2" presStyleIdx="0" presStyleCnt="1"/>
       <dgm:spPr/>
+      <dgm:t>
+        <a:bodyPr/>
+        <a:lstStyle/>
+        <a:p>
+          <a:endParaRPr lang="en-US"/>
+        </a:p>
+      </dgm:t>
     </dgm:pt>
     <dgm:pt modelId="{54151899-6314-4EDD-9C29-C935E44068C6}" type="pres">
       <dgm:prSet presAssocID="{788BEB73-7601-46AB-82B3-93BBE882C7B8}" presName="extraNode" presStyleLbl="node1" presStyleIdx="0" presStyleCnt="3"/>
@@ -1080,6 +1099,13 @@
         </dgm:presLayoutVars>
       </dgm:prSet>
       <dgm:spPr/>
+      <dgm:t>
+        <a:bodyPr/>
+        <a:lstStyle/>
+        <a:p>
+          <a:endParaRPr lang="en-US"/>
+        </a:p>
+      </dgm:t>
     </dgm:pt>
     <dgm:pt modelId="{3E705ABB-F75A-4B70-B25F-9F6E7B4215D1}" type="pres">
       <dgm:prSet presAssocID="{288C9117-705C-451C-AA25-D5ABE8769E4E}" presName="accent_3" presStyleCnt="0"/>
@@ -1091,12 +1117,12 @@
     </dgm:pt>
   </dgm:ptLst>
   <dgm:cxnLst>
+    <dgm:cxn modelId="{64DD8461-701E-47B0-97BB-6CC8C36087FF}" type="presOf" srcId="{829D05CB-4760-4B15-AF57-779C86842485}" destId="{3A9E51BD-AFA4-459B-A5CF-19E4BCEC1A40}" srcOrd="0" destOrd="0" presId="urn:microsoft.com/office/officeart/2008/layout/VerticalCurvedList"/>
+    <dgm:cxn modelId="{7E3AF7F5-AF61-46FA-A311-A8742D54BC23}" type="presOf" srcId="{788BEB73-7601-46AB-82B3-93BBE882C7B8}" destId="{761E2780-60E9-42AA-861E-3350FC91362E}" srcOrd="0" destOrd="0" presId="urn:microsoft.com/office/officeart/2008/layout/VerticalCurvedList"/>
     <dgm:cxn modelId="{679AFCAA-0460-4784-8216-3ADBA511F23B}" type="presOf" srcId="{94784744-CCBC-4E8A-B4FC-923B43784E33}" destId="{73209DD2-3DE9-4EF8-8D90-A2BEA1C286F9}" srcOrd="0" destOrd="0" presId="urn:microsoft.com/office/officeart/2008/layout/VerticalCurvedList"/>
     <dgm:cxn modelId="{4CC10A08-4DF0-40E4-8521-B8424DCD440E}" srcId="{788BEB73-7601-46AB-82B3-93BBE882C7B8}" destId="{94784744-CCBC-4E8A-B4FC-923B43784E33}" srcOrd="0" destOrd="0" parTransId="{64351A8A-AA29-4128-A3E2-92E357648321}" sibTransId="{52731E61-0F87-4488-8C12-0A83A37774EA}"/>
+    <dgm:cxn modelId="{BBB4C928-AEF9-4DCB-8B60-A9AB9CBD3945}" type="presOf" srcId="{52731E61-0F87-4488-8C12-0A83A37774EA}" destId="{C7CE70D4-7B0E-402A-8F11-FC111F281784}" srcOrd="0" destOrd="0" presId="urn:microsoft.com/office/officeart/2008/layout/VerticalCurvedList"/>
     <dgm:cxn modelId="{3CB5988A-17D0-4C56-BC52-DA070B22F7E6}" type="presOf" srcId="{288C9117-705C-451C-AA25-D5ABE8769E4E}" destId="{51F2DB4D-453B-40E1-BD2C-CD312D8FDEBC}" srcOrd="0" destOrd="0" presId="urn:microsoft.com/office/officeart/2008/layout/VerticalCurvedList"/>
-    <dgm:cxn modelId="{7E3AF7F5-AF61-46FA-A311-A8742D54BC23}" type="presOf" srcId="{788BEB73-7601-46AB-82B3-93BBE882C7B8}" destId="{761E2780-60E9-42AA-861E-3350FC91362E}" srcOrd="0" destOrd="0" presId="urn:microsoft.com/office/officeart/2008/layout/VerticalCurvedList"/>
-    <dgm:cxn modelId="{BBB4C928-AEF9-4DCB-8B60-A9AB9CBD3945}" type="presOf" srcId="{52731E61-0F87-4488-8C12-0A83A37774EA}" destId="{C7CE70D4-7B0E-402A-8F11-FC111F281784}" srcOrd="0" destOrd="0" presId="urn:microsoft.com/office/officeart/2008/layout/VerticalCurvedList"/>
-    <dgm:cxn modelId="{64DD8461-701E-47B0-97BB-6CC8C36087FF}" type="presOf" srcId="{829D05CB-4760-4B15-AF57-779C86842485}" destId="{3A9E51BD-AFA4-459B-A5CF-19E4BCEC1A40}" srcOrd="0" destOrd="0" presId="urn:microsoft.com/office/officeart/2008/layout/VerticalCurvedList"/>
     <dgm:cxn modelId="{169397E4-56FB-4C44-BD94-363D3312C3D8}" srcId="{788BEB73-7601-46AB-82B3-93BBE882C7B8}" destId="{288C9117-705C-451C-AA25-D5ABE8769E4E}" srcOrd="2" destOrd="0" parTransId="{AA4B502B-5356-4923-8E2E-CD21CA6EA899}" sibTransId="{F94FA600-1BB4-4C7B-83EC-4EBEC540C204}"/>
     <dgm:cxn modelId="{2F5EB15D-7139-4220-AF49-636F6D74240F}" srcId="{788BEB73-7601-46AB-82B3-93BBE882C7B8}" destId="{829D05CB-4760-4B15-AF57-779C86842485}" srcOrd="1" destOrd="0" parTransId="{33ADC64C-FD30-43F7-97F6-9C3E6A83F7B4}" sibTransId="{9FB25F2A-43D1-4FD9-923D-E9B95C2E85AE}"/>
     <dgm:cxn modelId="{BC063BA5-4103-41D9-A796-825BC77C2318}" type="presParOf" srcId="{761E2780-60E9-42AA-861E-3350FC91362E}" destId="{044F9C31-BD8C-4629-AB7C-1DCF1A9D48CD}" srcOrd="0" destOrd="0" presId="urn:microsoft.com/office/officeart/2008/layout/VerticalCurvedList"/>
@@ -1133,423 +1159,6 @@
       <dsp:cNvGrpSpPr/>
     </dsp:nvGrpSpPr>
     <dsp:grpSpPr/>
-    <dsp:sp modelId="{C7CE70D4-7B0E-402A-8F11-FC111F281784}">
-      <dsp:nvSpPr>
-        <dsp:cNvPr id="0" name=""/>
-        <dsp:cNvSpPr/>
-      </dsp:nvSpPr>
-      <dsp:spPr>
-        <a:xfrm>
-          <a:off x="-3861539" y="-593003"/>
-          <a:ext cx="4602307" cy="4602307"/>
-        </a:xfrm>
-        <a:prstGeom prst="blockArc">
-          <a:avLst>
-            <a:gd name="adj1" fmla="val 18900000"/>
-            <a:gd name="adj2" fmla="val 2700000"/>
-            <a:gd name="adj3" fmla="val 469"/>
-          </a:avLst>
-        </a:prstGeom>
-        <a:noFill/>
-        <a:ln w="19050" cap="rnd" cmpd="sng" algn="ctr">
-          <a:solidFill>
-            <a:schemeClr val="accent1">
-              <a:shade val="60000"/>
-              <a:hueOff val="0"/>
-              <a:satOff val="0"/>
-              <a:lumOff val="0"/>
-              <a:alphaOff val="0"/>
-            </a:schemeClr>
-          </a:solidFill>
-          <a:prstDash val="solid"/>
-        </a:ln>
-        <a:effectLst/>
-      </dsp:spPr>
-      <dsp:style>
-        <a:lnRef idx="2">
-          <a:scrgbClr r="0" g="0" b="0"/>
-        </a:lnRef>
-        <a:fillRef idx="0">
-          <a:scrgbClr r="0" g="0" b="0"/>
-        </a:fillRef>
-        <a:effectRef idx="0">
-          <a:scrgbClr r="0" g="0" b="0"/>
-        </a:effectRef>
-        <a:fontRef idx="minor"/>
-      </dsp:style>
-    </dsp:sp>
-    <dsp:sp modelId="{73209DD2-3DE9-4EF8-8D90-A2BEA1C286F9}">
-      <dsp:nvSpPr>
-        <dsp:cNvPr id="0" name=""/>
-        <dsp:cNvSpPr/>
-      </dsp:nvSpPr>
-      <dsp:spPr>
-        <a:xfrm>
-          <a:off x="520619" y="341630"/>
-          <a:ext cx="8240085" cy="683260"/>
-        </a:xfrm>
-        <a:prstGeom prst="rect">
-          <a:avLst/>
-        </a:prstGeom>
-        <a:solidFill>
-          <a:schemeClr val="accent1">
-            <a:hueOff val="0"/>
-            <a:satOff val="0"/>
-            <a:lumOff val="0"/>
-            <a:alphaOff val="0"/>
-          </a:schemeClr>
-        </a:solidFill>
-        <a:ln w="19050" cap="rnd" cmpd="sng" algn="ctr">
-          <a:solidFill>
-            <a:schemeClr val="lt1">
-              <a:hueOff val="0"/>
-              <a:satOff val="0"/>
-              <a:lumOff val="0"/>
-              <a:alphaOff val="0"/>
-            </a:schemeClr>
-          </a:solidFill>
-          <a:prstDash val="solid"/>
-        </a:ln>
-        <a:effectLst/>
-      </dsp:spPr>
-      <dsp:style>
-        <a:lnRef idx="2">
-          <a:scrgbClr r="0" g="0" b="0"/>
-        </a:lnRef>
-        <a:fillRef idx="1">
-          <a:scrgbClr r="0" g="0" b="0"/>
-        </a:fillRef>
-        <a:effectRef idx="0">
-          <a:scrgbClr r="0" g="0" b="0"/>
-        </a:effectRef>
-        <a:fontRef idx="minor">
-          <a:schemeClr val="lt1"/>
-        </a:fontRef>
-      </dsp:style>
-      <dsp:txBody>
-        <a:bodyPr spcFirstLastPara="0" vert="horz" wrap="square" lIns="542338" tIns="88900" rIns="88900" bIns="88900" numCol="1" spcCol="1270" anchor="ctr" anchorCtr="0">
-          <a:noAutofit/>
-        </a:bodyPr>
-        <a:lstStyle/>
-        <a:p>
-          <a:pPr lvl="0" algn="l" defTabSz="1555750">
-            <a:lnSpc>
-              <a:spcPct val="90000"/>
-            </a:lnSpc>
-            <a:spcBef>
-              <a:spcPct val="0"/>
-            </a:spcBef>
-            <a:spcAft>
-              <a:spcPct val="35000"/>
-            </a:spcAft>
-          </a:pPr>
-          <a:r>
-            <a:rPr lang="en-US" sz="3500" kern="1200" dirty="0" smtClean="0"/>
-            <a:t>Requirement</a:t>
-          </a:r>
-          <a:endParaRPr lang="en-US" sz="3500" kern="1200" dirty="0"/>
-        </a:p>
-      </dsp:txBody>
-      <dsp:txXfrm>
-        <a:off x="520619" y="341630"/>
-        <a:ext cx="8240085" cy="683260"/>
-      </dsp:txXfrm>
-    </dsp:sp>
-    <dsp:sp modelId="{8B26703C-3829-4B38-91E0-9B6D0A38406A}">
-      <dsp:nvSpPr>
-        <dsp:cNvPr id="0" name=""/>
-        <dsp:cNvSpPr/>
-      </dsp:nvSpPr>
-      <dsp:spPr>
-        <a:xfrm>
-          <a:off x="49333" y="256222"/>
-          <a:ext cx="854075" cy="854075"/>
-        </a:xfrm>
-        <a:prstGeom prst="ellipse">
-          <a:avLst/>
-        </a:prstGeom>
-        <a:solidFill>
-          <a:schemeClr val="lt1">
-            <a:hueOff val="0"/>
-            <a:satOff val="0"/>
-            <a:lumOff val="0"/>
-            <a:alphaOff val="0"/>
-          </a:schemeClr>
-        </a:solidFill>
-        <a:ln w="19050" cap="rnd" cmpd="sng" algn="ctr">
-          <a:solidFill>
-            <a:schemeClr val="accent1">
-              <a:hueOff val="0"/>
-              <a:satOff val="0"/>
-              <a:lumOff val="0"/>
-              <a:alphaOff val="0"/>
-            </a:schemeClr>
-          </a:solidFill>
-          <a:prstDash val="solid"/>
-        </a:ln>
-        <a:effectLst/>
-      </dsp:spPr>
-      <dsp:style>
-        <a:lnRef idx="2">
-          <a:scrgbClr r="0" g="0" b="0"/>
-        </a:lnRef>
-        <a:fillRef idx="1">
-          <a:scrgbClr r="0" g="0" b="0"/>
-        </a:fillRef>
-        <a:effectRef idx="0">
-          <a:scrgbClr r="0" g="0" b="0"/>
-        </a:effectRef>
-        <a:fontRef idx="minor"/>
-      </dsp:style>
-    </dsp:sp>
-    <dsp:sp modelId="{3A9E51BD-AFA4-459B-A5CF-19E4BCEC1A40}">
-      <dsp:nvSpPr>
-        <dsp:cNvPr id="0" name=""/>
-        <dsp:cNvSpPr/>
-      </dsp:nvSpPr>
-      <dsp:spPr>
-        <a:xfrm>
-          <a:off x="724735" y="1366520"/>
-          <a:ext cx="7991720" cy="683260"/>
-        </a:xfrm>
-        <a:prstGeom prst="rect">
-          <a:avLst/>
-        </a:prstGeom>
-        <a:solidFill>
-          <a:schemeClr val="accent1">
-            <a:hueOff val="0"/>
-            <a:satOff val="0"/>
-            <a:lumOff val="0"/>
-            <a:alphaOff val="0"/>
-          </a:schemeClr>
-        </a:solidFill>
-        <a:ln w="19050" cap="rnd" cmpd="sng" algn="ctr">
-          <a:solidFill>
-            <a:schemeClr val="lt1">
-              <a:hueOff val="0"/>
-              <a:satOff val="0"/>
-              <a:lumOff val="0"/>
-              <a:alphaOff val="0"/>
-            </a:schemeClr>
-          </a:solidFill>
-          <a:prstDash val="solid"/>
-        </a:ln>
-        <a:effectLst/>
-      </dsp:spPr>
-      <dsp:style>
-        <a:lnRef idx="2">
-          <a:scrgbClr r="0" g="0" b="0"/>
-        </a:lnRef>
-        <a:fillRef idx="1">
-          <a:scrgbClr r="0" g="0" b="0"/>
-        </a:fillRef>
-        <a:effectRef idx="0">
-          <a:scrgbClr r="0" g="0" b="0"/>
-        </a:effectRef>
-        <a:fontRef idx="minor">
-          <a:schemeClr val="lt1"/>
-        </a:fontRef>
-      </dsp:style>
-      <dsp:txBody>
-        <a:bodyPr spcFirstLastPara="0" vert="horz" wrap="square" lIns="542338" tIns="88900" rIns="88900" bIns="88900" numCol="1" spcCol="1270" anchor="ctr" anchorCtr="0">
-          <a:noAutofit/>
-        </a:bodyPr>
-        <a:lstStyle/>
-        <a:p>
-          <a:pPr lvl="0" algn="l" defTabSz="1555750">
-            <a:lnSpc>
-              <a:spcPct val="90000"/>
-            </a:lnSpc>
-            <a:spcBef>
-              <a:spcPct val="0"/>
-            </a:spcBef>
-            <a:spcAft>
-              <a:spcPct val="35000"/>
-            </a:spcAft>
-          </a:pPr>
-          <a:r>
-            <a:rPr lang="en-US" sz="3500" kern="1200" dirty="0" smtClean="0"/>
-            <a:t>Diagram</a:t>
-          </a:r>
-          <a:endParaRPr lang="en-US" sz="3500" kern="1200" dirty="0"/>
-        </a:p>
-      </dsp:txBody>
-      <dsp:txXfrm>
-        <a:off x="724735" y="1366520"/>
-        <a:ext cx="7991720" cy="683260"/>
-      </dsp:txXfrm>
-    </dsp:sp>
-    <dsp:sp modelId="{B42BBCE5-12BB-41FF-A504-D85DB68776F9}">
-      <dsp:nvSpPr>
-        <dsp:cNvPr id="0" name=""/>
-        <dsp:cNvSpPr/>
-      </dsp:nvSpPr>
-      <dsp:spPr>
-        <a:xfrm>
-          <a:off x="297698" y="1281112"/>
-          <a:ext cx="854075" cy="854075"/>
-        </a:xfrm>
-        <a:prstGeom prst="ellipse">
-          <a:avLst/>
-        </a:prstGeom>
-        <a:solidFill>
-          <a:schemeClr val="lt1">
-            <a:hueOff val="0"/>
-            <a:satOff val="0"/>
-            <a:lumOff val="0"/>
-            <a:alphaOff val="0"/>
-          </a:schemeClr>
-        </a:solidFill>
-        <a:ln w="19050" cap="rnd" cmpd="sng" algn="ctr">
-          <a:solidFill>
-            <a:schemeClr val="accent1">
-              <a:hueOff val="0"/>
-              <a:satOff val="0"/>
-              <a:lumOff val="0"/>
-              <a:alphaOff val="0"/>
-            </a:schemeClr>
-          </a:solidFill>
-          <a:prstDash val="solid"/>
-        </a:ln>
-        <a:effectLst/>
-      </dsp:spPr>
-      <dsp:style>
-        <a:lnRef idx="2">
-          <a:scrgbClr r="0" g="0" b="0"/>
-        </a:lnRef>
-        <a:fillRef idx="1">
-          <a:scrgbClr r="0" g="0" b="0"/>
-        </a:fillRef>
-        <a:effectRef idx="0">
-          <a:scrgbClr r="0" g="0" b="0"/>
-        </a:effectRef>
-        <a:fontRef idx="minor"/>
-      </dsp:style>
-    </dsp:sp>
-    <dsp:sp modelId="{51F2DB4D-453B-40E1-BD2C-CD312D8FDEBC}">
-      <dsp:nvSpPr>
-        <dsp:cNvPr id="0" name=""/>
-        <dsp:cNvSpPr/>
-      </dsp:nvSpPr>
-      <dsp:spPr>
-        <a:xfrm>
-          <a:off x="476370" y="2391410"/>
-          <a:ext cx="8240085" cy="683260"/>
-        </a:xfrm>
-        <a:prstGeom prst="rect">
-          <a:avLst/>
-        </a:prstGeom>
-        <a:solidFill>
-          <a:schemeClr val="accent1">
-            <a:hueOff val="0"/>
-            <a:satOff val="0"/>
-            <a:lumOff val="0"/>
-            <a:alphaOff val="0"/>
-          </a:schemeClr>
-        </a:solidFill>
-        <a:ln w="19050" cap="rnd" cmpd="sng" algn="ctr">
-          <a:solidFill>
-            <a:schemeClr val="lt1">
-              <a:hueOff val="0"/>
-              <a:satOff val="0"/>
-              <a:lumOff val="0"/>
-              <a:alphaOff val="0"/>
-            </a:schemeClr>
-          </a:solidFill>
-          <a:prstDash val="solid"/>
-        </a:ln>
-        <a:effectLst/>
-      </dsp:spPr>
-      <dsp:style>
-        <a:lnRef idx="2">
-          <a:scrgbClr r="0" g="0" b="0"/>
-        </a:lnRef>
-        <a:fillRef idx="1">
-          <a:scrgbClr r="0" g="0" b="0"/>
-        </a:fillRef>
-        <a:effectRef idx="0">
-          <a:scrgbClr r="0" g="0" b="0"/>
-        </a:effectRef>
-        <a:fontRef idx="minor">
-          <a:schemeClr val="lt1"/>
-        </a:fontRef>
-      </dsp:style>
-      <dsp:txBody>
-        <a:bodyPr spcFirstLastPara="0" vert="horz" wrap="square" lIns="542338" tIns="88900" rIns="88900" bIns="88900" numCol="1" spcCol="1270" anchor="ctr" anchorCtr="0">
-          <a:noAutofit/>
-        </a:bodyPr>
-        <a:lstStyle/>
-        <a:p>
-          <a:pPr lvl="0" algn="l" defTabSz="1555750">
-            <a:lnSpc>
-              <a:spcPct val="90000"/>
-            </a:lnSpc>
-            <a:spcBef>
-              <a:spcPct val="0"/>
-            </a:spcBef>
-            <a:spcAft>
-              <a:spcPct val="35000"/>
-            </a:spcAft>
-          </a:pPr>
-          <a:r>
-            <a:rPr lang="en-US" sz="3500" kern="1200" dirty="0" smtClean="0"/>
-            <a:t>Demo</a:t>
-          </a:r>
-          <a:endParaRPr lang="en-US" sz="3500" kern="1200" dirty="0"/>
-        </a:p>
-      </dsp:txBody>
-      <dsp:txXfrm>
-        <a:off x="476370" y="2391410"/>
-        <a:ext cx="8240085" cy="683260"/>
-      </dsp:txXfrm>
-    </dsp:sp>
-    <dsp:sp modelId="{E5B44FF8-1E85-433D-914C-1547413D4EF7}">
-      <dsp:nvSpPr>
-        <dsp:cNvPr id="0" name=""/>
-        <dsp:cNvSpPr/>
-      </dsp:nvSpPr>
-      <dsp:spPr>
-        <a:xfrm>
-          <a:off x="49333" y="2306002"/>
-          <a:ext cx="854075" cy="854075"/>
-        </a:xfrm>
-        <a:prstGeom prst="ellipse">
-          <a:avLst/>
-        </a:prstGeom>
-        <a:solidFill>
-          <a:schemeClr val="lt1">
-            <a:hueOff val="0"/>
-            <a:satOff val="0"/>
-            <a:lumOff val="0"/>
-            <a:alphaOff val="0"/>
-          </a:schemeClr>
-        </a:solidFill>
-        <a:ln w="19050" cap="rnd" cmpd="sng" algn="ctr">
-          <a:solidFill>
-            <a:schemeClr val="accent1">
-              <a:hueOff val="0"/>
-              <a:satOff val="0"/>
-              <a:lumOff val="0"/>
-              <a:alphaOff val="0"/>
-            </a:schemeClr>
-          </a:solidFill>
-          <a:prstDash val="solid"/>
-        </a:ln>
-        <a:effectLst/>
-      </dsp:spPr>
-      <dsp:style>
-        <a:lnRef idx="2">
-          <a:scrgbClr r="0" g="0" b="0"/>
-        </a:lnRef>
-        <a:fillRef idx="1">
-          <a:scrgbClr r="0" g="0" b="0"/>
-        </a:fillRef>
-        <a:effectRef idx="0">
-          <a:scrgbClr r="0" g="0" b="0"/>
-        </a:effectRef>
-        <a:fontRef idx="minor"/>
-      </dsp:style>
-    </dsp:sp>
   </dsp:spTree>
 </dsp:drawing>
 </file>
@@ -19849,7 +19458,7 @@
       </p:sp>
       <p:pic>
         <p:nvPicPr>
-          <p:cNvPr id="4" name="Content Placeholder 3"/>
+          <p:cNvPr id="5" name="Content Placeholder 4"/>
           <p:cNvPicPr>
             <a:picLocks noGrp="1" noChangeAspect="1"/>
           </p:cNvPicPr>
@@ -19858,7 +19467,7 @@
           </p:nvPr>
         </p:nvPicPr>
         <p:blipFill>
-          <a:blip r:embed="rId2">
+          <a:blip r:embed="rId2" cstate="print">
             <a:extLst>
               <a:ext uri="{28A0092B-C50C-407E-A947-70E740481C1C}">
                 <a14:useLocalDpi xmlns:a14="http://schemas.microsoft.com/office/drawing/2010/main" val="0"/>
@@ -19871,8 +19480,8 @@
         </p:blipFill>
         <p:spPr>
           <a:xfrm>
-            <a:off x="2021756" y="2087228"/>
-            <a:ext cx="8432884" cy="4770772"/>
+            <a:off x="1391111" y="1676400"/>
+            <a:ext cx="8892576" cy="5104636"/>
           </a:xfrm>
         </p:spPr>
       </p:pic>
